--- a/Lending Club Case Study.pptx
+++ b/Lending Club Case Study.pptx
@@ -19,10 +19,10 @@
     <p:sldId id="267" r:id="rId13"/>
     <p:sldId id="268" r:id="rId14"/>
     <p:sldId id="269" r:id="rId15"/>
-    <p:sldId id="270" r:id="rId16"/>
+    <p:sldId id="273" r:id="rId16"/>
     <p:sldId id="271" r:id="rId17"/>
     <p:sldId id="272" r:id="rId18"/>
-    <p:sldId id="273" r:id="rId19"/>
+    <p:sldId id="274" r:id="rId19"/>
   </p:sldIdLst>
   <p:sldSz cx="12192000" cy="6858000"/>
   <p:notesSz cx="6858000" cy="9144000"/>
@@ -121,6 +121,11 @@
       </a:defRPr>
     </a:lvl9pPr>
   </p:defaultTextStyle>
+  <p:extLst>
+    <p:ext uri="{EFAFB233-063F-42B5-8137-9DF3F51BA10A}">
+      <p15:sldGuideLst xmlns:p15="http://schemas.microsoft.com/office/powerpoint/2012/main"/>
+    </p:ext>
+  </p:extLst>
 </p:presentation>
 </file>
 
@@ -8917,7 +8922,7 @@
           <a:p>
             <a:fld id="{6FDB460A-64BF-4674-8EA0-3903D2D9BE96}" type="datetimeFigureOut">
               <a:rPr lang="en-IN" smtClean="0"/>
-              <a:t>05-12-2021</a:t>
+              <a:t>07-12-2021</a:t>
             </a:fld>
             <a:endParaRPr lang="en-IN"/>
           </a:p>
@@ -9124,7 +9129,7 @@
           <a:p>
             <a:fld id="{6FDB460A-64BF-4674-8EA0-3903D2D9BE96}" type="datetimeFigureOut">
               <a:rPr lang="en-IN" smtClean="0"/>
-              <a:t>05-12-2021</a:t>
+              <a:t>07-12-2021</a:t>
             </a:fld>
             <a:endParaRPr lang="en-IN"/>
           </a:p>
@@ -9304,7 +9309,7 @@
           <a:p>
             <a:fld id="{6FDB460A-64BF-4674-8EA0-3903D2D9BE96}" type="datetimeFigureOut">
               <a:rPr lang="en-IN" smtClean="0"/>
-              <a:t>05-12-2021</a:t>
+              <a:t>07-12-2021</a:t>
             </a:fld>
             <a:endParaRPr lang="en-IN"/>
           </a:p>
@@ -9509,7 +9514,7 @@
           <a:p>
             <a:fld id="{6FDB460A-64BF-4674-8EA0-3903D2D9BE96}" type="datetimeFigureOut">
               <a:rPr lang="en-IN" smtClean="0"/>
-              <a:t>05-12-2021</a:t>
+              <a:t>07-12-2021</a:t>
             </a:fld>
             <a:endParaRPr lang="en-IN"/>
           </a:p>
@@ -18407,7 +18412,7 @@
           <a:p>
             <a:fld id="{6FDB460A-64BF-4674-8EA0-3903D2D9BE96}" type="datetimeFigureOut">
               <a:rPr lang="en-IN" smtClean="0"/>
-              <a:t>05-12-2021</a:t>
+              <a:t>07-12-2021</a:t>
             </a:fld>
             <a:endParaRPr lang="en-IN"/>
           </a:p>
@@ -18681,7 +18686,7 @@
           <a:p>
             <a:fld id="{6FDB460A-64BF-4674-8EA0-3903D2D9BE96}" type="datetimeFigureOut">
               <a:rPr lang="en-IN" smtClean="0"/>
-              <a:t>05-12-2021</a:t>
+              <a:t>07-12-2021</a:t>
             </a:fld>
             <a:endParaRPr lang="en-IN"/>
           </a:p>
@@ -19079,7 +19084,7 @@
           <a:p>
             <a:fld id="{6FDB460A-64BF-4674-8EA0-3903D2D9BE96}" type="datetimeFigureOut">
               <a:rPr lang="en-IN" smtClean="0"/>
-              <a:t>05-12-2021</a:t>
+              <a:t>07-12-2021</a:t>
             </a:fld>
             <a:endParaRPr lang="en-IN"/>
           </a:p>
@@ -19197,7 +19202,7 @@
           <a:p>
             <a:fld id="{6FDB460A-64BF-4674-8EA0-3903D2D9BE96}" type="datetimeFigureOut">
               <a:rPr lang="en-IN" smtClean="0"/>
-              <a:t>05-12-2021</a:t>
+              <a:t>07-12-2021</a:t>
             </a:fld>
             <a:endParaRPr lang="en-IN"/>
           </a:p>
@@ -19292,7 +19297,7 @@
           <a:p>
             <a:fld id="{6FDB460A-64BF-4674-8EA0-3903D2D9BE96}" type="datetimeFigureOut">
               <a:rPr lang="en-IN" smtClean="0"/>
-              <a:t>05-12-2021</a:t>
+              <a:t>07-12-2021</a:t>
             </a:fld>
             <a:endParaRPr lang="en-IN"/>
           </a:p>
@@ -19582,7 +19587,7 @@
           <a:p>
             <a:fld id="{6FDB460A-64BF-4674-8EA0-3903D2D9BE96}" type="datetimeFigureOut">
               <a:rPr lang="en-IN" smtClean="0"/>
-              <a:t>05-12-2021</a:t>
+              <a:t>07-12-2021</a:t>
             </a:fld>
             <a:endParaRPr lang="en-IN"/>
           </a:p>
@@ -19862,7 +19867,7 @@
           <a:p>
             <a:fld id="{6FDB460A-64BF-4674-8EA0-3903D2D9BE96}" type="datetimeFigureOut">
               <a:rPr lang="en-IN" smtClean="0"/>
-              <a:t>05-12-2021</a:t>
+              <a:t>07-12-2021</a:t>
             </a:fld>
             <a:endParaRPr lang="en-IN"/>
           </a:p>
@@ -20112,7 +20117,7 @@
           <a:p>
             <a:fld id="{6FDB460A-64BF-4674-8EA0-3903D2D9BE96}" type="datetimeFigureOut">
               <a:rPr lang="en-IN" smtClean="0"/>
-              <a:t>05-12-2021</a:t>
+              <a:t>07-12-2021</a:t>
             </a:fld>
             <a:endParaRPr lang="en-IN"/>
           </a:p>
@@ -20733,7 +20738,7 @@
         </p:nvSpPr>
         <p:spPr>
           <a:xfrm>
-            <a:off x="884379" y="5526230"/>
+            <a:off x="740207" y="5112457"/>
             <a:ext cx="10873512" cy="954107"/>
           </a:xfrm>
           <a:prstGeom prst="rect">
@@ -20786,7 +20791,7 @@
       </p:sp>
       <p:pic>
         <p:nvPicPr>
-          <p:cNvPr id="3" name="Picture 2"/>
+          <p:cNvPr id="4" name="Picture 3"/>
           <p:cNvPicPr>
             <a:picLocks noChangeAspect="1"/>
           </p:cNvPicPr>
@@ -20800,8 +20805,8 @@
         </p:blipFill>
         <p:spPr>
           <a:xfrm>
-            <a:off x="755365" y="1815088"/>
-            <a:ext cx="11131836" cy="3190875"/>
+            <a:off x="740207" y="1804265"/>
+            <a:ext cx="10659772" cy="3155661"/>
           </a:xfrm>
           <a:prstGeom prst="rect">
             <a:avLst/>
@@ -20917,7 +20922,7 @@
       </p:sp>
       <p:pic>
         <p:nvPicPr>
-          <p:cNvPr id="3" name="Picture 2"/>
+          <p:cNvPr id="4" name="Picture 3"/>
           <p:cNvPicPr>
             <a:picLocks noChangeAspect="1"/>
           </p:cNvPicPr>
@@ -20931,8 +20936,8 @@
         </p:blipFill>
         <p:spPr>
           <a:xfrm>
-            <a:off x="775854" y="1736431"/>
-            <a:ext cx="11001807" cy="4433454"/>
+            <a:off x="745977" y="1800968"/>
+            <a:ext cx="10938021" cy="4334862"/>
           </a:xfrm>
           <a:prstGeom prst="rect">
             <a:avLst/>
@@ -21040,7 +21045,7 @@
       </p:sp>
       <p:pic>
         <p:nvPicPr>
-          <p:cNvPr id="4" name="Picture 3"/>
+          <p:cNvPr id="3" name="Picture 2"/>
           <p:cNvPicPr>
             <a:picLocks noChangeAspect="1"/>
           </p:cNvPicPr>
@@ -21054,8 +21059,8 @@
         </p:blipFill>
         <p:spPr>
           <a:xfrm>
-            <a:off x="766615" y="1819562"/>
-            <a:ext cx="11042361" cy="4341092"/>
+            <a:off x="751607" y="1827344"/>
+            <a:ext cx="11176000" cy="4262306"/>
           </a:xfrm>
           <a:prstGeom prst="rect">
             <a:avLst/>
@@ -21197,7 +21202,7 @@
       </p:sp>
       <p:pic>
         <p:nvPicPr>
-          <p:cNvPr id="3" name="Picture 2"/>
+          <p:cNvPr id="4" name="Picture 3"/>
           <p:cNvPicPr>
             <a:picLocks noChangeAspect="1"/>
           </p:cNvPicPr>
@@ -21211,8 +21216,8 @@
         </p:blipFill>
         <p:spPr>
           <a:xfrm>
-            <a:off x="785090" y="1809030"/>
-            <a:ext cx="11268365" cy="3852861"/>
+            <a:off x="785089" y="1791856"/>
+            <a:ext cx="11157528" cy="3771323"/>
           </a:xfrm>
           <a:prstGeom prst="rect">
             <a:avLst/>
@@ -21320,7 +21325,7 @@
       </p:sp>
       <p:pic>
         <p:nvPicPr>
-          <p:cNvPr id="3" name="Picture 2"/>
+          <p:cNvPr id="4" name="Picture 3"/>
           <p:cNvPicPr>
             <a:picLocks noChangeAspect="1"/>
           </p:cNvPicPr>
@@ -21334,8 +21339,8 @@
         </p:blipFill>
         <p:spPr>
           <a:xfrm>
-            <a:off x="3023174" y="1788823"/>
-            <a:ext cx="5200650" cy="3705225"/>
+            <a:off x="2833687" y="1625600"/>
+            <a:ext cx="6524625" cy="4113071"/>
           </a:xfrm>
           <a:prstGeom prst="rect">
             <a:avLst/>
@@ -21443,7 +21448,7 @@
       </p:sp>
       <p:pic>
         <p:nvPicPr>
-          <p:cNvPr id="3" name="Picture 2"/>
+          <p:cNvPr id="4" name="Picture 3"/>
           <p:cNvPicPr>
             <a:picLocks noChangeAspect="1"/>
           </p:cNvPicPr>
@@ -21457,8 +21462,8 @@
         </p:blipFill>
         <p:spPr>
           <a:xfrm>
-            <a:off x="3337066" y="1764146"/>
-            <a:ext cx="5610225" cy="4188546"/>
+            <a:off x="2824162" y="1588655"/>
+            <a:ext cx="6543675" cy="4627418"/>
           </a:xfrm>
           <a:prstGeom prst="rect">
             <a:avLst/>
@@ -21468,7 +21473,7 @@
     </p:spTree>
     <p:extLst>
       <p:ext uri="{BB962C8B-B14F-4D97-AF65-F5344CB8AC3E}">
-        <p14:creationId xmlns:p14="http://schemas.microsoft.com/office/powerpoint/2010/main" val="3370607289"/>
+        <p14:creationId xmlns:p14="http://schemas.microsoft.com/office/powerpoint/2010/main" val="3261923512"/>
       </p:ext>
     </p:extLst>
   </p:cSld>
@@ -21566,7 +21571,7 @@
       </p:sp>
       <p:pic>
         <p:nvPicPr>
-          <p:cNvPr id="4" name="Picture 3"/>
+          <p:cNvPr id="3" name="Picture 2"/>
           <p:cNvPicPr>
             <a:picLocks noChangeAspect="1"/>
           </p:cNvPicPr>
@@ -21580,8 +21585,8 @@
         </p:blipFill>
         <p:spPr>
           <a:xfrm>
-            <a:off x="3209925" y="1560944"/>
-            <a:ext cx="5772150" cy="4572577"/>
+            <a:off x="2857500" y="1542473"/>
+            <a:ext cx="6477000" cy="4593357"/>
           </a:xfrm>
           <a:prstGeom prst="rect">
             <a:avLst/>
@@ -21725,7 +21730,7 @@
       </p:sp>
       <p:pic>
         <p:nvPicPr>
-          <p:cNvPr id="4" name="Picture 3"/>
+          <p:cNvPr id="3" name="Picture 2"/>
           <p:cNvPicPr>
             <a:picLocks noChangeAspect="1"/>
           </p:cNvPicPr>
@@ -21739,8 +21744,8 @@
         </p:blipFill>
         <p:spPr>
           <a:xfrm>
-            <a:off x="748145" y="1793879"/>
-            <a:ext cx="11018982" cy="3676650"/>
+            <a:off x="774699" y="1760326"/>
+            <a:ext cx="11037455" cy="3913685"/>
           </a:xfrm>
           <a:prstGeom prst="rect">
             <a:avLst/>
@@ -21805,12 +21810,8 @@
           <a:lstStyle/>
           <a:p>
             <a:r>
-              <a:rPr lang="en-US" dirty="0"/>
-              <a:t>Analysis – </a:t>
-            </a:r>
-            <a:r>
               <a:rPr lang="en-US" dirty="0" smtClean="0"/>
-              <a:t>Bivariate</a:t>
+              <a:t>Recommendations</a:t>
             </a:r>
             <a:endParaRPr lang="en-IN" dirty="0"/>
           </a:p>
@@ -21824,8 +21825,8 @@
         </p:nvSpPr>
         <p:spPr>
           <a:xfrm>
-            <a:off x="884379" y="6135830"/>
-            <a:ext cx="10873512" cy="369332"/>
+            <a:off x="705423" y="1933285"/>
+            <a:ext cx="10873512" cy="3416320"/>
           </a:xfrm>
           <a:prstGeom prst="rect">
             <a:avLst/>
@@ -21838,42 +21839,79 @@
           </a:bodyPr>
           <a:lstStyle/>
           <a:p>
+            <a:pPr marL="342900" indent="-342900">
+              <a:buFont typeface="Arial" panose="020B0604020202020204" pitchFamily="34" charset="0"/>
+              <a:buChar char="•"/>
+            </a:pPr>
             <a:r>
-              <a:rPr lang="en-US" dirty="0" smtClean="0"/>
-              <a:t>Non verified accounts seem to be doing better as their default rate is lower</a:t>
+              <a:rPr lang="en-US" sz="2400" dirty="0"/>
+              <a:t>Small Business' have defaulted more. They are potential for higher </a:t>
             </a:r>
-            <a:endParaRPr lang="en-IN" sz="1000" dirty="0"/>
+            <a:r>
+              <a:rPr lang="en-US" sz="2400" dirty="0" err="1"/>
+              <a:t>interset</a:t>
+            </a:r>
+            <a:r>
+              <a:rPr lang="en-US" sz="2400" dirty="0"/>
+              <a:t> rates and also proper due diligence</a:t>
+            </a:r>
+          </a:p>
+          <a:p>
+            <a:pPr marL="342900" indent="-342900">
+              <a:buFont typeface="Arial" panose="020B0604020202020204" pitchFamily="34" charset="0"/>
+              <a:buChar char="•"/>
+            </a:pPr>
+            <a:r>
+              <a:rPr lang="en-US" sz="2400" dirty="0"/>
+              <a:t>Reduce the high interest loans for 60 months tenure as they have high propensity for default</a:t>
+            </a:r>
+          </a:p>
+          <a:p>
+            <a:pPr marL="342900" indent="-342900">
+              <a:buFont typeface="Arial" panose="020B0604020202020204" pitchFamily="34" charset="0"/>
+              <a:buChar char="•"/>
+            </a:pPr>
+            <a:r>
+              <a:rPr lang="en-US" sz="2400" dirty="0"/>
+              <a:t>Higher interest rates should be charges to borrowers with debt-to-income ratio</a:t>
+            </a:r>
+          </a:p>
+          <a:p>
+            <a:pPr marL="342900" indent="-342900">
+              <a:buFont typeface="Arial" panose="020B0604020202020204" pitchFamily="34" charset="0"/>
+              <a:buChar char="•"/>
+            </a:pPr>
+            <a:r>
+              <a:rPr lang="en-US" sz="2400" dirty="0"/>
+              <a:t>Focused effort required to tap low experience customers</a:t>
+            </a:r>
+          </a:p>
+          <a:p>
+            <a:pPr marL="342900" indent="-342900">
+              <a:buFont typeface="Arial" panose="020B0604020202020204" pitchFamily="34" charset="0"/>
+              <a:buChar char="•"/>
+            </a:pPr>
+            <a:r>
+              <a:rPr lang="en-US" sz="2400" dirty="0"/>
+              <a:t>Focused effort required to tap customers with rented and mortgaged houses</a:t>
+            </a:r>
+          </a:p>
+          <a:p>
+            <a:pPr marL="342900" indent="-342900">
+              <a:buFont typeface="Arial" panose="020B0604020202020204" pitchFamily="34" charset="0"/>
+              <a:buChar char="•"/>
+            </a:pPr>
+            <a:r>
+              <a:rPr lang="en-US" sz="2400" dirty="0"/>
+              <a:t>More discretion and due diligence required while sanctioning loans to some states - CA, FL and NY</a:t>
+            </a:r>
           </a:p>
         </p:txBody>
       </p:sp>
-      <p:pic>
-        <p:nvPicPr>
-          <p:cNvPr id="3" name="Picture 2"/>
-          <p:cNvPicPr>
-            <a:picLocks noChangeAspect="1"/>
-          </p:cNvPicPr>
-          <p:nvPr/>
-        </p:nvPicPr>
-        <p:blipFill>
-          <a:blip r:embed="rId2"/>
-          <a:stretch>
-            <a:fillRect/>
-          </a:stretch>
-        </p:blipFill>
-        <p:spPr>
-          <a:xfrm>
-            <a:off x="3337066" y="1764146"/>
-            <a:ext cx="5610225" cy="4188546"/>
-          </a:xfrm>
-          <a:prstGeom prst="rect">
-            <a:avLst/>
-          </a:prstGeom>
-        </p:spPr>
-      </p:pic>
     </p:spTree>
     <p:extLst>
       <p:ext uri="{BB962C8B-B14F-4D97-AF65-F5344CB8AC3E}">
-        <p14:creationId xmlns:p14="http://schemas.microsoft.com/office/powerpoint/2010/main" val="3261923512"/>
+        <p14:creationId xmlns:p14="http://schemas.microsoft.com/office/powerpoint/2010/main" val="1795824267"/>
       </p:ext>
     </p:extLst>
   </p:cSld>
@@ -22091,7 +22129,6 @@
               <a:rPr lang="en-US" dirty="0" smtClean="0"/>
               <a:t>Loan types - personal loans, business loans, and financing of medical procedures</a:t>
             </a:r>
-            <a:endParaRPr lang="en-US" dirty="0" smtClean="0"/>
           </a:p>
           <a:p>
             <a:r>
@@ -22303,13 +22340,8 @@
             </a:pPr>
             <a:r>
               <a:rPr lang="en-US" dirty="0" smtClean="0"/>
-              <a:t>• The data provided has a total of 39,717 rows and </a:t>
+              <a:t>• The data provided has a total of 39,717 rows and 111 columns</a:t>
             </a:r>
-            <a:r>
-              <a:rPr lang="en-US" dirty="0" smtClean="0"/>
-              <a:t>111 columns</a:t>
-            </a:r>
-            <a:endParaRPr lang="en-US" dirty="0" smtClean="0"/>
           </a:p>
           <a:p>
             <a:pPr marL="0" indent="0">
@@ -22574,7 +22606,7 @@
       </p:sp>
       <p:pic>
         <p:nvPicPr>
-          <p:cNvPr id="5" name="Picture 4"/>
+          <p:cNvPr id="3" name="Picture 2"/>
           <p:cNvPicPr>
             <a:picLocks noChangeAspect="1"/>
           </p:cNvPicPr>
@@ -22588,8 +22620,8 @@
         </p:blipFill>
         <p:spPr>
           <a:xfrm>
-            <a:off x="765457" y="1547090"/>
-            <a:ext cx="11122892" cy="3523673"/>
+            <a:off x="752756" y="1801089"/>
+            <a:ext cx="11259128" cy="3140366"/>
           </a:xfrm>
           <a:prstGeom prst="rect">
             <a:avLst/>
@@ -22692,37 +22724,7 @@
             </a:pPr>
             <a:r>
               <a:rPr lang="en-US" sz="1900" dirty="0"/>
-              <a:t> Loan </a:t>
-            </a:r>
-            <a:r>
-              <a:rPr lang="en-US" sz="1900" dirty="0"/>
-              <a:t>applications accepted generally decreases with increase in years if employment, indicating more need of </a:t>
-            </a:r>
-            <a:r>
-              <a:rPr lang="en-US" sz="1900" dirty="0"/>
-              <a:t> loan </a:t>
-            </a:r>
-            <a:r>
-              <a:rPr lang="en-US" sz="1900" dirty="0"/>
-              <a:t>in early years of employment. </a:t>
-            </a:r>
-            <a:endParaRPr lang="en-US" sz="1900" dirty="0"/>
-          </a:p>
-          <a:p>
-            <a:pPr>
-              <a:lnSpc>
-                <a:spcPct val="70000"/>
-              </a:lnSpc>
-              <a:buFont typeface="Arial" panose="020B0604020202020204" pitchFamily="34" charset="0"/>
-              <a:buChar char="•"/>
-            </a:pPr>
-            <a:r>
-              <a:rPr lang="en-US" sz="1900" dirty="0"/>
-              <a:t> Customers </a:t>
-            </a:r>
-            <a:r>
-              <a:rPr lang="en-US" sz="1900" dirty="0"/>
-              <a:t>with rented and mortgaged house apply and get accepted for loan the most </a:t>
+              <a:t> Loan applications accepted generally decreases with increase in years if employment, indicating more need of  loan in early years of employment. </a:t>
             </a:r>
           </a:p>
           <a:p>
@@ -22735,11 +22737,20 @@
             </a:pPr>
             <a:r>
               <a:rPr lang="en-US" sz="1900" dirty="0"/>
-              <a:t> Most </a:t>
+              <a:t> Customers with rented and mortgaged house apply and get accepted for loan the most </a:t>
             </a:r>
+          </a:p>
+          <a:p>
+            <a:pPr>
+              <a:lnSpc>
+                <a:spcPct val="70000"/>
+              </a:lnSpc>
+              <a:buFont typeface="Arial" panose="020B0604020202020204" pitchFamily="34" charset="0"/>
+              <a:buChar char="•"/>
+            </a:pPr>
             <a:r>
               <a:rPr lang="en-US" sz="1900" dirty="0"/>
-              <a:t>loans are for debt consolidation</a:t>
+              <a:t> Most loans are for debt consolidation</a:t>
             </a:r>
             <a:endParaRPr lang="en-IN" sz="1900" dirty="0"/>
           </a:p>
@@ -22747,7 +22758,7 @@
       </p:sp>
       <p:pic>
         <p:nvPicPr>
-          <p:cNvPr id="5" name="Picture 4"/>
+          <p:cNvPr id="3" name="Picture 2"/>
           <p:cNvPicPr>
             <a:picLocks noChangeAspect="1"/>
           </p:cNvPicPr>
@@ -22761,8 +22772,8 @@
         </p:blipFill>
         <p:spPr>
           <a:xfrm>
-            <a:off x="773542" y="1524005"/>
-            <a:ext cx="11049003" cy="3805378"/>
+            <a:off x="773543" y="1791856"/>
+            <a:ext cx="11113658" cy="3408217"/>
           </a:xfrm>
           <a:prstGeom prst="rect">
             <a:avLst/>
@@ -22834,30 +22845,6 @@
           </a:p>
         </p:txBody>
       </p:sp>
-      <p:pic>
-        <p:nvPicPr>
-          <p:cNvPr id="5" name="Picture 4"/>
-          <p:cNvPicPr>
-            <a:picLocks noChangeAspect="1"/>
-          </p:cNvPicPr>
-          <p:nvPr/>
-        </p:nvPicPr>
-        <p:blipFill>
-          <a:blip r:embed="rId2"/>
-          <a:stretch>
-            <a:fillRect/>
-          </a:stretch>
-        </p:blipFill>
-        <p:spPr>
-          <a:xfrm>
-            <a:off x="775852" y="1830530"/>
-            <a:ext cx="11111346" cy="3695700"/>
-          </a:xfrm>
-          <a:prstGeom prst="rect">
-            <a:avLst/>
-          </a:prstGeom>
-        </p:spPr>
-      </p:pic>
       <p:sp>
         <p:nvSpPr>
           <p:cNvPr id="7" name="TextBox 6"/>
@@ -22920,6 +22907,30 @@
           </a:p>
         </p:txBody>
       </p:sp>
+      <p:pic>
+        <p:nvPicPr>
+          <p:cNvPr id="3" name="Picture 2"/>
+          <p:cNvPicPr>
+            <a:picLocks noChangeAspect="1"/>
+          </p:cNvPicPr>
+          <p:nvPr/>
+        </p:nvPicPr>
+        <p:blipFill>
+          <a:blip r:embed="rId2"/>
+          <a:stretch>
+            <a:fillRect/>
+          </a:stretch>
+        </p:blipFill>
+        <p:spPr>
+          <a:xfrm>
+            <a:off x="766617" y="1830817"/>
+            <a:ext cx="11148290" cy="3676650"/>
+          </a:xfrm>
+          <a:prstGeom prst="rect">
+            <a:avLst/>
+          </a:prstGeom>
+        </p:spPr>
+      </p:pic>
     </p:spTree>
     <p:extLst>
       <p:ext uri="{BB962C8B-B14F-4D97-AF65-F5344CB8AC3E}">
